--- a/performane.pptx
+++ b/performane.pptx
@@ -5,18 +5,18 @@
     <p:sldMasterId id="2147483680" r:id="rId1"/>
   </p:sldMasterIdLst>
   <p:notesMasterIdLst>
-    <p:notesMasterId r:id="rId19"/>
+    <p:notesMasterId r:id="rId25"/>
   </p:notesMasterIdLst>
   <p:handoutMasterIdLst>
-    <p:handoutMasterId r:id="rId20"/>
+    <p:handoutMasterId r:id="rId26"/>
   </p:handoutMasterIdLst>
   <p:sldIdLst>
     <p:sldId id="256" r:id="rId2"/>
     <p:sldId id="272" r:id="rId3"/>
     <p:sldId id="257" r:id="rId4"/>
     <p:sldId id="262" r:id="rId5"/>
-    <p:sldId id="263" r:id="rId6"/>
-    <p:sldId id="264" r:id="rId7"/>
+    <p:sldId id="278" r:id="rId6"/>
+    <p:sldId id="263" r:id="rId7"/>
     <p:sldId id="267" r:id="rId8"/>
     <p:sldId id="273" r:id="rId9"/>
     <p:sldId id="258" r:id="rId10"/>
@@ -27,7 +27,13 @@
     <p:sldId id="269" r:id="rId15"/>
     <p:sldId id="270" r:id="rId16"/>
     <p:sldId id="271" r:id="rId17"/>
-    <p:sldId id="275" r:id="rId18"/>
+    <p:sldId id="283" r:id="rId18"/>
+    <p:sldId id="277" r:id="rId19"/>
+    <p:sldId id="279" r:id="rId20"/>
+    <p:sldId id="280" r:id="rId21"/>
+    <p:sldId id="281" r:id="rId22"/>
+    <p:sldId id="275" r:id="rId23"/>
+    <p:sldId id="282" r:id="rId24"/>
   </p:sldIdLst>
   <p:sldSz cx="9144000" cy="6858000" type="screen4x3"/>
   <p:notesSz cx="7315200" cy="9601200"/>
@@ -3651,7 +3657,7 @@
             </a:r>
             <a:r>
               <a:rPr lang="en-US" baseline="0" dirty="0"/>
-              <a:t> a set of cascading servers.</a:t>
+              <a:t> a set of pipelined servers.</a:t>
             </a:r>
           </a:p>
           <a:p>
@@ -3766,6 +3772,15 @@
               <a:rPr lang="en-US" b="1" baseline="0" dirty="0"/>
               <a:t>Scaling</a:t>
             </a:r>
+          </a:p>
+          <a:p>
+            <a:r>
+              <a:rPr lang="en-US" dirty="0"/>
+              <a:t>Designing for Performance</a:t>
+            </a:r>
+          </a:p>
+          <a:p>
+            <a:endParaRPr lang="en-US" b="1" baseline="0" dirty="0"/>
           </a:p>
           <a:p>
             <a:endParaRPr lang="en-US" dirty="0"/>
@@ -4854,13 +4869,7 @@
           <a:p>
             <a:r>
               <a:rPr lang="en-US" dirty="0"/>
-              <a:t>The database may be shared across servers and may be used to store necessary state.</a:t>
-            </a:r>
-          </a:p>
-          <a:p>
-            <a:r>
-              <a:rPr lang="en-US" dirty="0"/>
-              <a:t>Data consistency is a concern and must be managed.</a:t>
+              <a:t>Stateless servers must get their state from somewhere.</a:t>
             </a:r>
           </a:p>
         </p:txBody>
@@ -4900,7 +4909,7 @@
           <p:cNvPr id="2" name="Title 1">
             <a:extLst>
               <a:ext uri="{FF2B5EF4-FFF2-40B4-BE49-F238E27FC236}">
-                <a16:creationId xmlns:a16="http://schemas.microsoft.com/office/drawing/2014/main" id="{7681A7E7-8365-EC95-020F-7DFD40EF506B}"/>
+                <a16:creationId xmlns:a16="http://schemas.microsoft.com/office/drawing/2014/main" id="{7D2C0741-F74A-59B8-8540-E19E4583CCD1}"/>
               </a:ext>
             </a:extLst>
           </p:cNvPr>
@@ -4918,8 +4927,13 @@
           <a:p>
             <a:r>
               <a:rPr lang="en-US" dirty="0"/>
-              <a:t>Summary</a:t>
-            </a:r>
+              <a:t>Possible</a:t>
+            </a:r>
+            <a:r>
+              <a:rPr lang="en-US" baseline="0" dirty="0"/>
+              <a:t> sources of state</a:t>
+            </a:r>
+            <a:endParaRPr lang="en-US" dirty="0"/>
           </a:p>
         </p:txBody>
       </p:sp>
@@ -4928,7 +4942,7 @@
           <p:cNvPr id="3" name="Content Placeholder 2">
             <a:extLst>
               <a:ext uri="{FF2B5EF4-FFF2-40B4-BE49-F238E27FC236}">
-                <a16:creationId xmlns:a16="http://schemas.microsoft.com/office/drawing/2014/main" id="{B6EE0870-02DA-EE5E-33D3-1E2D117AADD7}"/>
+                <a16:creationId xmlns:a16="http://schemas.microsoft.com/office/drawing/2014/main" id="{66175F9D-3D16-64B5-443E-DB90A3BB6375}"/>
               </a:ext>
             </a:extLst>
           </p:cNvPr>
@@ -4939,42 +4953,48 @@
             <p:ph idx="1"/>
           </p:nvPr>
         </p:nvSpPr>
-        <p:spPr>
-          <a:xfrm>
-            <a:off x="685800" y="1752600"/>
-            <a:ext cx="7924800" cy="4038600"/>
-          </a:xfrm>
-        </p:spPr>
+        <p:spPr/>
         <p:txBody>
           <a:bodyPr/>
           <a:lstStyle/>
           <a:p>
             <a:r>
               <a:rPr lang="en-US" dirty="0"/>
-              <a:t>Latency</a:t>
+              <a:t>Stateless servers can get state</a:t>
             </a:r>
             <a:r>
               <a:rPr lang="en-US" baseline="0" dirty="0"/>
-              <a:t> is the time between a request arriving at the system and a response being generated.</a:t>
-            </a:r>
-          </a:p>
-          <a:p>
-            <a:r>
-              <a:rPr lang="en-US" baseline="0" dirty="0"/>
-              <a:t>Meeting a request with a pipeline of servers means that a budget for each of the servers must be set</a:t>
-            </a:r>
-          </a:p>
-          <a:p>
-            <a:r>
-              <a:rPr lang="en-US" baseline="0" dirty="0"/>
-              <a:t>Horizontal scaling involves creating multiple servers and distributing requests among them.</a:t>
-            </a:r>
-          </a:p>
-          <a:p>
-            <a:r>
-              <a:rPr lang="en-US" baseline="0" dirty="0"/>
-              <a:t>Management of statement must be considered during the design.</a:t>
-            </a:r>
+              <a:t> from</a:t>
+            </a:r>
+          </a:p>
+          <a:p>
+            <a:pPr lvl="1"/>
+            <a:r>
+              <a:rPr lang="en-US" dirty="0"/>
+              <a:t>Parameters</a:t>
+            </a:r>
+          </a:p>
+          <a:p>
+            <a:pPr lvl="1"/>
+            <a:r>
+              <a:rPr lang="en-US" dirty="0"/>
+              <a:t>Repository external to server</a:t>
+            </a:r>
+          </a:p>
+          <a:p>
+            <a:pPr lvl="0"/>
+            <a:r>
+              <a:rPr lang="en-US" dirty="0"/>
+              <a:t>A database may be shared across servers and may be used to store necessary state.</a:t>
+            </a:r>
+          </a:p>
+          <a:p>
+            <a:r>
+              <a:rPr lang="en-US" dirty="0"/>
+              <a:t>Data consistency is a concern and must be managed.</a:t>
+            </a:r>
+          </a:p>
+          <a:p>
             <a:endParaRPr lang="en-US" dirty="0"/>
           </a:p>
         </p:txBody>
@@ -4982,7 +5002,216 @@
     </p:spTree>
     <p:extLst>
       <p:ext uri="{BB962C8B-B14F-4D97-AF65-F5344CB8AC3E}">
-        <p14:creationId xmlns:p14="http://schemas.microsoft.com/office/powerpoint/2010/main" val="2386491046"/>
+        <p14:creationId xmlns:p14="http://schemas.microsoft.com/office/powerpoint/2010/main" val="2384665823"/>
+      </p:ext>
+    </p:extLst>
+  </p:cSld>
+  <p:clrMapOvr>
+    <a:masterClrMapping/>
+  </p:clrMapOvr>
+</p:sld>
+</file>
+
+<file path=ppt/slides/slide18.xml><?xml version="1.0" encoding="utf-8"?>
+<p:sld xmlns:a="http://schemas.openxmlformats.org/drawingml/2006/main" xmlns:r="http://schemas.openxmlformats.org/officeDocument/2006/relationships" xmlns:p="http://schemas.openxmlformats.org/presentationml/2006/main">
+  <p:cSld>
+    <p:spTree>
+      <p:nvGrpSpPr>
+        <p:cNvPr id="1" name=""/>
+        <p:cNvGrpSpPr/>
+        <p:nvPr/>
+      </p:nvGrpSpPr>
+      <p:grpSpPr>
+        <a:xfrm>
+          <a:off x="0" y="0"/>
+          <a:ext cx="0" cy="0"/>
+          <a:chOff x="0" y="0"/>
+          <a:chExt cx="0" cy="0"/>
+        </a:xfrm>
+      </p:grpSpPr>
+      <p:sp>
+        <p:nvSpPr>
+          <p:cNvPr id="2" name="Title 1">
+            <a:extLst>
+              <a:ext uri="{FF2B5EF4-FFF2-40B4-BE49-F238E27FC236}">
+                <a16:creationId xmlns:a16="http://schemas.microsoft.com/office/drawing/2014/main" id="{5F764992-CF95-BFCE-A4F4-53B7191CA5C0}"/>
+              </a:ext>
+            </a:extLst>
+          </p:cNvPr>
+          <p:cNvSpPr>
+            <a:spLocks noGrp="1"/>
+          </p:cNvSpPr>
+          <p:nvPr>
+            <p:ph type="title"/>
+          </p:nvPr>
+        </p:nvSpPr>
+        <p:spPr/>
+        <p:txBody>
+          <a:bodyPr/>
+          <a:lstStyle/>
+          <a:p>
+            <a:r>
+              <a:rPr lang="en-US" dirty="0"/>
+              <a:t>Outline</a:t>
+            </a:r>
+          </a:p>
+        </p:txBody>
+      </p:sp>
+      <p:sp>
+        <p:nvSpPr>
+          <p:cNvPr id="3" name="Content Placeholder 2">
+            <a:extLst>
+              <a:ext uri="{FF2B5EF4-FFF2-40B4-BE49-F238E27FC236}">
+                <a16:creationId xmlns:a16="http://schemas.microsoft.com/office/drawing/2014/main" id="{9DA7BADF-3771-9D7F-C301-2F66F05AB568}"/>
+              </a:ext>
+            </a:extLst>
+          </p:cNvPr>
+          <p:cNvSpPr>
+            <a:spLocks noGrp="1"/>
+          </p:cNvSpPr>
+          <p:nvPr>
+            <p:ph idx="1"/>
+          </p:nvPr>
+        </p:nvSpPr>
+        <p:spPr/>
+        <p:txBody>
+          <a:bodyPr/>
+          <a:lstStyle/>
+          <a:p>
+            <a:r>
+              <a:rPr lang="en-US" dirty="0"/>
+              <a:t>Introduction</a:t>
+            </a:r>
+          </a:p>
+          <a:p>
+            <a:r>
+              <a:rPr lang="en-US" baseline="0" dirty="0"/>
+              <a:t>Pipeline of servers</a:t>
+            </a:r>
+          </a:p>
+          <a:p>
+            <a:r>
+              <a:rPr lang="en-US" baseline="0" dirty="0"/>
+              <a:t>Scaling</a:t>
+            </a:r>
+          </a:p>
+          <a:p>
+            <a:r>
+              <a:rPr lang="en-US" b="1" dirty="0"/>
+              <a:t>Designing for Performance</a:t>
+            </a:r>
+          </a:p>
+          <a:p>
+            <a:endParaRPr lang="en-US" b="1" baseline="0" dirty="0"/>
+          </a:p>
+        </p:txBody>
+      </p:sp>
+    </p:spTree>
+    <p:extLst>
+      <p:ext uri="{BB962C8B-B14F-4D97-AF65-F5344CB8AC3E}">
+        <p14:creationId xmlns:p14="http://schemas.microsoft.com/office/powerpoint/2010/main" val="4075424023"/>
+      </p:ext>
+    </p:extLst>
+  </p:cSld>
+  <p:clrMapOvr>
+    <a:masterClrMapping/>
+  </p:clrMapOvr>
+</p:sld>
+</file>
+
+<file path=ppt/slides/slide19.xml><?xml version="1.0" encoding="utf-8"?>
+<p:sld xmlns:a="http://schemas.openxmlformats.org/drawingml/2006/main" xmlns:r="http://schemas.openxmlformats.org/officeDocument/2006/relationships" xmlns:p="http://schemas.openxmlformats.org/presentationml/2006/main">
+  <p:cSld>
+    <p:spTree>
+      <p:nvGrpSpPr>
+        <p:cNvPr id="1" name=""/>
+        <p:cNvGrpSpPr/>
+        <p:nvPr/>
+      </p:nvGrpSpPr>
+      <p:grpSpPr>
+        <a:xfrm>
+          <a:off x="0" y="0"/>
+          <a:ext cx="0" cy="0"/>
+          <a:chOff x="0" y="0"/>
+          <a:chExt cx="0" cy="0"/>
+        </a:xfrm>
+      </p:grpSpPr>
+      <p:sp>
+        <p:nvSpPr>
+          <p:cNvPr id="2" name="Title 1">
+            <a:extLst>
+              <a:ext uri="{FF2B5EF4-FFF2-40B4-BE49-F238E27FC236}">
+                <a16:creationId xmlns:a16="http://schemas.microsoft.com/office/drawing/2014/main" id="{2E6D53C6-71F6-D9C7-7ABC-9566B16449F9}"/>
+              </a:ext>
+            </a:extLst>
+          </p:cNvPr>
+          <p:cNvSpPr>
+            <a:spLocks noGrp="1"/>
+          </p:cNvSpPr>
+          <p:nvPr>
+            <p:ph type="title"/>
+          </p:nvPr>
+        </p:nvSpPr>
+        <p:spPr/>
+        <p:txBody>
+          <a:bodyPr/>
+          <a:lstStyle/>
+          <a:p>
+            <a:r>
+              <a:rPr lang="en-US" dirty="0"/>
+              <a:t>Pod</a:t>
+            </a:r>
+          </a:p>
+        </p:txBody>
+      </p:sp>
+      <p:sp>
+        <p:nvSpPr>
+          <p:cNvPr id="3" name="Content Placeholder 2">
+            <a:extLst>
+              <a:ext uri="{FF2B5EF4-FFF2-40B4-BE49-F238E27FC236}">
+                <a16:creationId xmlns:a16="http://schemas.microsoft.com/office/drawing/2014/main" id="{2C52AA70-39EF-3CBC-4719-9063CC1D200D}"/>
+              </a:ext>
+            </a:extLst>
+          </p:cNvPr>
+          <p:cNvSpPr>
+            <a:spLocks noGrp="1"/>
+          </p:cNvSpPr>
+          <p:nvPr>
+            <p:ph idx="1"/>
+          </p:nvPr>
+        </p:nvSpPr>
+        <p:spPr/>
+        <p:txBody>
+          <a:bodyPr/>
+          <a:lstStyle/>
+          <a:p>
+            <a:r>
+              <a:rPr lang="en-US" dirty="0"/>
+              <a:t>A pod is a Kubernetes construct for hold containers. </a:t>
+            </a:r>
+          </a:p>
+          <a:p>
+            <a:r>
+              <a:rPr lang="en-US" dirty="0"/>
+              <a:t>Two containers in the same pod will be deployed together</a:t>
+            </a:r>
+          </a:p>
+          <a:p>
+            <a:r>
+              <a:rPr lang="en-US" dirty="0"/>
+              <a:t>Communication</a:t>
+            </a:r>
+            <a:r>
+              <a:rPr lang="en-US" baseline="0" dirty="0"/>
+              <a:t> between two containers in the same pod does not go over the network</a:t>
+            </a:r>
+          </a:p>
+        </p:txBody>
+      </p:sp>
+    </p:spTree>
+    <p:extLst>
+      <p:ext uri="{BB962C8B-B14F-4D97-AF65-F5344CB8AC3E}">
+        <p14:creationId xmlns:p14="http://schemas.microsoft.com/office/powerpoint/2010/main" val="4064204169"/>
       </p:ext>
     </p:extLst>
   </p:cSld>
@@ -5076,6 +5305,13 @@
             </a:r>
           </a:p>
           <a:p>
+            <a:r>
+              <a:rPr lang="en-US" dirty="0"/>
+              <a:t>Designing for Performance</a:t>
+            </a:r>
+            <a:endParaRPr lang="en-US" baseline="0" dirty="0"/>
+          </a:p>
+          <a:p>
             <a:endParaRPr lang="en-US" dirty="0"/>
           </a:p>
         </p:txBody>
@@ -5084,6 +5320,412 @@
     <p:extLst>
       <p:ext uri="{BB962C8B-B14F-4D97-AF65-F5344CB8AC3E}">
         <p14:creationId xmlns:p14="http://schemas.microsoft.com/office/powerpoint/2010/main" val="909906770"/>
+      </p:ext>
+    </p:extLst>
+  </p:cSld>
+  <p:clrMapOvr>
+    <a:masterClrMapping/>
+  </p:clrMapOvr>
+</p:sld>
+</file>
+
+<file path=ppt/slides/slide20.xml><?xml version="1.0" encoding="utf-8"?>
+<p:sld xmlns:a="http://schemas.openxmlformats.org/drawingml/2006/main" xmlns:r="http://schemas.openxmlformats.org/officeDocument/2006/relationships" xmlns:p="http://schemas.openxmlformats.org/presentationml/2006/main">
+  <p:cSld>
+    <p:spTree>
+      <p:nvGrpSpPr>
+        <p:cNvPr id="1" name=""/>
+        <p:cNvGrpSpPr/>
+        <p:nvPr/>
+      </p:nvGrpSpPr>
+      <p:grpSpPr>
+        <a:xfrm>
+          <a:off x="0" y="0"/>
+          <a:ext cx="0" cy="0"/>
+          <a:chOff x="0" y="0"/>
+          <a:chExt cx="0" cy="0"/>
+        </a:xfrm>
+      </p:grpSpPr>
+      <p:sp>
+        <p:nvSpPr>
+          <p:cNvPr id="2" name="Title 1">
+            <a:extLst>
+              <a:ext uri="{FF2B5EF4-FFF2-40B4-BE49-F238E27FC236}">
+                <a16:creationId xmlns:a16="http://schemas.microsoft.com/office/drawing/2014/main" id="{F247C5A5-1E16-8847-DD59-37DB1D662FF7}"/>
+              </a:ext>
+            </a:extLst>
+          </p:cNvPr>
+          <p:cNvSpPr>
+            <a:spLocks noGrp="1"/>
+          </p:cNvSpPr>
+          <p:nvPr>
+            <p:ph type="title"/>
+          </p:nvPr>
+        </p:nvSpPr>
+        <p:spPr/>
+        <p:txBody>
+          <a:bodyPr/>
+          <a:lstStyle/>
+          <a:p>
+            <a:r>
+              <a:rPr lang="en-US" dirty="0"/>
+              <a:t>Design</a:t>
+            </a:r>
+            <a:r>
+              <a:rPr lang="en-US" baseline="0" dirty="0"/>
+              <a:t> consideration</a:t>
+            </a:r>
+            <a:endParaRPr lang="en-US" dirty="0"/>
+          </a:p>
+        </p:txBody>
+      </p:sp>
+      <p:sp>
+        <p:nvSpPr>
+          <p:cNvPr id="3" name="Content Placeholder 2">
+            <a:extLst>
+              <a:ext uri="{FF2B5EF4-FFF2-40B4-BE49-F238E27FC236}">
+                <a16:creationId xmlns:a16="http://schemas.microsoft.com/office/drawing/2014/main" id="{919B69F0-0BF0-2AD6-D6C1-C55AE8270B0B}"/>
+              </a:ext>
+            </a:extLst>
+          </p:cNvPr>
+          <p:cNvSpPr>
+            <a:spLocks noGrp="1"/>
+          </p:cNvSpPr>
+          <p:nvPr>
+            <p:ph idx="1"/>
+          </p:nvPr>
+        </p:nvSpPr>
+        <p:spPr/>
+        <p:txBody>
+          <a:bodyPr/>
+          <a:lstStyle/>
+          <a:p>
+            <a:r>
+              <a:rPr lang="en-US" dirty="0"/>
+              <a:t>Place containers that communicate frequently in same pod.</a:t>
+            </a:r>
+          </a:p>
+        </p:txBody>
+      </p:sp>
+    </p:spTree>
+    <p:extLst>
+      <p:ext uri="{BB962C8B-B14F-4D97-AF65-F5344CB8AC3E}">
+        <p14:creationId xmlns:p14="http://schemas.microsoft.com/office/powerpoint/2010/main" val="1135613055"/>
+      </p:ext>
+    </p:extLst>
+  </p:cSld>
+  <p:clrMapOvr>
+    <a:masterClrMapping/>
+  </p:clrMapOvr>
+</p:sld>
+</file>
+
+<file path=ppt/slides/slide21.xml><?xml version="1.0" encoding="utf-8"?>
+<p:sld xmlns:a="http://schemas.openxmlformats.org/drawingml/2006/main" xmlns:r="http://schemas.openxmlformats.org/officeDocument/2006/relationships" xmlns:p="http://schemas.openxmlformats.org/presentationml/2006/main">
+  <p:cSld>
+    <p:spTree>
+      <p:nvGrpSpPr>
+        <p:cNvPr id="1" name=""/>
+        <p:cNvGrpSpPr/>
+        <p:nvPr/>
+      </p:nvGrpSpPr>
+      <p:grpSpPr>
+        <a:xfrm>
+          <a:off x="0" y="0"/>
+          <a:ext cx="0" cy="0"/>
+          <a:chOff x="0" y="0"/>
+          <a:chExt cx="0" cy="0"/>
+        </a:xfrm>
+      </p:grpSpPr>
+      <p:sp>
+        <p:nvSpPr>
+          <p:cNvPr id="2" name="Title 1">
+            <a:extLst>
+              <a:ext uri="{FF2B5EF4-FFF2-40B4-BE49-F238E27FC236}">
+                <a16:creationId xmlns:a16="http://schemas.microsoft.com/office/drawing/2014/main" id="{83366093-17AC-FE22-AD14-3C113DAD7228}"/>
+              </a:ext>
+            </a:extLst>
+          </p:cNvPr>
+          <p:cNvSpPr>
+            <a:spLocks noGrp="1"/>
+          </p:cNvSpPr>
+          <p:nvPr>
+            <p:ph type="title"/>
+          </p:nvPr>
+        </p:nvSpPr>
+        <p:spPr/>
+        <p:txBody>
+          <a:bodyPr/>
+          <a:lstStyle/>
+          <a:p>
+            <a:r>
+              <a:rPr lang="en-US" dirty="0"/>
+              <a:t>Cache</a:t>
+            </a:r>
+          </a:p>
+        </p:txBody>
+      </p:sp>
+      <p:sp>
+        <p:nvSpPr>
+          <p:cNvPr id="3" name="Content Placeholder 2">
+            <a:extLst>
+              <a:ext uri="{FF2B5EF4-FFF2-40B4-BE49-F238E27FC236}">
+                <a16:creationId xmlns:a16="http://schemas.microsoft.com/office/drawing/2014/main" id="{2376389A-9663-F99D-18F0-BEFA73758FF4}"/>
+              </a:ext>
+            </a:extLst>
+          </p:cNvPr>
+          <p:cNvSpPr>
+            <a:spLocks noGrp="1"/>
+          </p:cNvSpPr>
+          <p:nvPr>
+            <p:ph idx="1"/>
+          </p:nvPr>
+        </p:nvSpPr>
+        <p:spPr/>
+        <p:txBody>
+          <a:bodyPr/>
+          <a:lstStyle/>
+          <a:p>
+            <a:r>
+              <a:rPr lang="en-US" dirty="0"/>
+              <a:t>Replicate data to place data closer to retriever.</a:t>
+            </a:r>
+          </a:p>
+          <a:p>
+            <a:r>
+              <a:rPr lang="en-US" dirty="0"/>
+              <a:t>Closer means not over network.</a:t>
+            </a:r>
+          </a:p>
+          <a:p>
+            <a:r>
+              <a:rPr lang="en-US" dirty="0"/>
+              <a:t>Replace database access by in memory access.</a:t>
+            </a:r>
+          </a:p>
+          <a:p>
+            <a:r>
+              <a:rPr lang="en-US" dirty="0"/>
+              <a:t> Concern - Caching may result in inconsistency between data in cache</a:t>
+            </a:r>
+            <a:r>
+              <a:rPr lang="en-US" baseline="0" dirty="0"/>
+              <a:t> and data in database.</a:t>
+            </a:r>
+          </a:p>
+          <a:p>
+            <a:pPr lvl="1"/>
+            <a:r>
+              <a:rPr lang="en-US" dirty="0"/>
+              <a:t>Consistency must be managed</a:t>
+            </a:r>
+          </a:p>
+        </p:txBody>
+      </p:sp>
+    </p:spTree>
+    <p:extLst>
+      <p:ext uri="{BB962C8B-B14F-4D97-AF65-F5344CB8AC3E}">
+        <p14:creationId xmlns:p14="http://schemas.microsoft.com/office/powerpoint/2010/main" val="1975294064"/>
+      </p:ext>
+    </p:extLst>
+  </p:cSld>
+  <p:clrMapOvr>
+    <a:masterClrMapping/>
+  </p:clrMapOvr>
+</p:sld>
+</file>
+
+<file path=ppt/slides/slide22.xml><?xml version="1.0" encoding="utf-8"?>
+<p:sld xmlns:a="http://schemas.openxmlformats.org/drawingml/2006/main" xmlns:r="http://schemas.openxmlformats.org/officeDocument/2006/relationships" xmlns:p="http://schemas.openxmlformats.org/presentationml/2006/main">
+  <p:cSld>
+    <p:spTree>
+      <p:nvGrpSpPr>
+        <p:cNvPr id="1" name=""/>
+        <p:cNvGrpSpPr/>
+        <p:nvPr/>
+      </p:nvGrpSpPr>
+      <p:grpSpPr>
+        <a:xfrm>
+          <a:off x="0" y="0"/>
+          <a:ext cx="0" cy="0"/>
+          <a:chOff x="0" y="0"/>
+          <a:chExt cx="0" cy="0"/>
+        </a:xfrm>
+      </p:grpSpPr>
+      <p:sp>
+        <p:nvSpPr>
+          <p:cNvPr id="2" name="Title 1">
+            <a:extLst>
+              <a:ext uri="{FF2B5EF4-FFF2-40B4-BE49-F238E27FC236}">
+                <a16:creationId xmlns:a16="http://schemas.microsoft.com/office/drawing/2014/main" id="{7681A7E7-8365-EC95-020F-7DFD40EF506B}"/>
+              </a:ext>
+            </a:extLst>
+          </p:cNvPr>
+          <p:cNvSpPr>
+            <a:spLocks noGrp="1"/>
+          </p:cNvSpPr>
+          <p:nvPr>
+            <p:ph type="title"/>
+          </p:nvPr>
+        </p:nvSpPr>
+        <p:spPr/>
+        <p:txBody>
+          <a:bodyPr/>
+          <a:lstStyle/>
+          <a:p>
+            <a:r>
+              <a:rPr lang="en-US" dirty="0"/>
+              <a:t>Summary</a:t>
+            </a:r>
+          </a:p>
+        </p:txBody>
+      </p:sp>
+      <p:sp>
+        <p:nvSpPr>
+          <p:cNvPr id="3" name="Content Placeholder 2">
+            <a:extLst>
+              <a:ext uri="{FF2B5EF4-FFF2-40B4-BE49-F238E27FC236}">
+                <a16:creationId xmlns:a16="http://schemas.microsoft.com/office/drawing/2014/main" id="{B6EE0870-02DA-EE5E-33D3-1E2D117AADD7}"/>
+              </a:ext>
+            </a:extLst>
+          </p:cNvPr>
+          <p:cNvSpPr>
+            <a:spLocks noGrp="1"/>
+          </p:cNvSpPr>
+          <p:nvPr>
+            <p:ph idx="1"/>
+          </p:nvPr>
+        </p:nvSpPr>
+        <p:spPr>
+          <a:xfrm>
+            <a:off x="685800" y="1752600"/>
+            <a:ext cx="7924800" cy="4038600"/>
+          </a:xfrm>
+        </p:spPr>
+        <p:txBody>
+          <a:bodyPr/>
+          <a:lstStyle/>
+          <a:p>
+            <a:r>
+              <a:rPr lang="en-US" dirty="0"/>
+              <a:t>Latency</a:t>
+            </a:r>
+            <a:r>
+              <a:rPr lang="en-US" baseline="0" dirty="0"/>
+              <a:t> is the time between a request arriving at the system and a response being generated.</a:t>
+            </a:r>
+          </a:p>
+          <a:p>
+            <a:r>
+              <a:rPr lang="en-US" baseline="0" dirty="0"/>
+              <a:t>Meeting a request with a pipeline of servers means that a budget for each of the servers must be set</a:t>
+            </a:r>
+          </a:p>
+        </p:txBody>
+      </p:sp>
+    </p:spTree>
+    <p:extLst>
+      <p:ext uri="{BB962C8B-B14F-4D97-AF65-F5344CB8AC3E}">
+        <p14:creationId xmlns:p14="http://schemas.microsoft.com/office/powerpoint/2010/main" val="2386491046"/>
+      </p:ext>
+    </p:extLst>
+  </p:cSld>
+  <p:clrMapOvr>
+    <a:masterClrMapping/>
+  </p:clrMapOvr>
+</p:sld>
+</file>
+
+<file path=ppt/slides/slide23.xml><?xml version="1.0" encoding="utf-8"?>
+<p:sld xmlns:a="http://schemas.openxmlformats.org/drawingml/2006/main" xmlns:r="http://schemas.openxmlformats.org/officeDocument/2006/relationships" xmlns:p="http://schemas.openxmlformats.org/presentationml/2006/main">
+  <p:cSld>
+    <p:spTree>
+      <p:nvGrpSpPr>
+        <p:cNvPr id="1" name=""/>
+        <p:cNvGrpSpPr/>
+        <p:nvPr/>
+      </p:nvGrpSpPr>
+      <p:grpSpPr>
+        <a:xfrm>
+          <a:off x="0" y="0"/>
+          <a:ext cx="0" cy="0"/>
+          <a:chOff x="0" y="0"/>
+          <a:chExt cx="0" cy="0"/>
+        </a:xfrm>
+      </p:grpSpPr>
+      <p:sp>
+        <p:nvSpPr>
+          <p:cNvPr id="2" name="Title 1">
+            <a:extLst>
+              <a:ext uri="{FF2B5EF4-FFF2-40B4-BE49-F238E27FC236}">
+                <a16:creationId xmlns:a16="http://schemas.microsoft.com/office/drawing/2014/main" id="{46095BEA-1661-01CD-0D28-CA9E0FABD2F6}"/>
+              </a:ext>
+            </a:extLst>
+          </p:cNvPr>
+          <p:cNvSpPr>
+            <a:spLocks noGrp="1"/>
+          </p:cNvSpPr>
+          <p:nvPr>
+            <p:ph type="title"/>
+          </p:nvPr>
+        </p:nvSpPr>
+        <p:spPr/>
+        <p:txBody>
+          <a:bodyPr/>
+          <a:lstStyle/>
+          <a:p>
+            <a:r>
+              <a:rPr lang="en-US" dirty="0"/>
+              <a:t>Summary</a:t>
+            </a:r>
+          </a:p>
+        </p:txBody>
+      </p:sp>
+      <p:sp>
+        <p:nvSpPr>
+          <p:cNvPr id="3" name="Content Placeholder 2">
+            <a:extLst>
+              <a:ext uri="{FF2B5EF4-FFF2-40B4-BE49-F238E27FC236}">
+                <a16:creationId xmlns:a16="http://schemas.microsoft.com/office/drawing/2014/main" id="{0693F736-13F3-33FF-C001-6242FC0E5A8B}"/>
+              </a:ext>
+            </a:extLst>
+          </p:cNvPr>
+          <p:cNvSpPr>
+            <a:spLocks noGrp="1"/>
+          </p:cNvSpPr>
+          <p:nvPr>
+            <p:ph idx="1"/>
+          </p:nvPr>
+        </p:nvSpPr>
+        <p:spPr/>
+        <p:txBody>
+          <a:bodyPr/>
+          <a:lstStyle/>
+          <a:p>
+            <a:r>
+              <a:rPr lang="en-US" baseline="0" dirty="0"/>
+              <a:t>Horizontal scaling involves creating multiple servers and distributing requests among them.</a:t>
+            </a:r>
+          </a:p>
+          <a:p>
+            <a:r>
+              <a:rPr lang="en-US" baseline="0" dirty="0"/>
+              <a:t>Management of state must be considered during the design.</a:t>
+            </a:r>
+          </a:p>
+          <a:p>
+            <a:r>
+              <a:rPr lang="en-US" baseline="0" dirty="0"/>
+              <a:t>Use of pods and caching will reduce network usage</a:t>
+            </a:r>
+            <a:endParaRPr lang="en-US" dirty="0"/>
+          </a:p>
+        </p:txBody>
+      </p:sp>
+    </p:spTree>
+    <p:extLst>
+      <p:ext uri="{BB962C8B-B14F-4D97-AF65-F5344CB8AC3E}">
+        <p14:creationId xmlns:p14="http://schemas.microsoft.com/office/powerpoint/2010/main" val="3530834579"/>
       </p:ext>
     </p:extLst>
   </p:cSld>
@@ -5184,29 +5826,13 @@
           <a:p>
             <a:r>
               <a:rPr lang="en-US" sz="2400" dirty="0"/>
-              <a:t>They are served </a:t>
-            </a:r>
-            <a:r>
-              <a:rPr lang="en-US" sz="2400" dirty="0" err="1"/>
-              <a:t>iaccording</a:t>
-            </a:r>
+              <a:t>They are served according to some algorithm and a response is generated. </a:t>
+            </a:r>
+          </a:p>
+          <a:p>
             <a:r>
               <a:rPr lang="en-US" sz="2400" dirty="0"/>
-              <a:t> to </a:t>
-            </a:r>
-            <a:r>
-              <a:rPr lang="en-US" sz="2400"/>
-              <a:t>some algorithm and </a:t>
-            </a:r>
-            <a:r>
-              <a:rPr lang="en-US" sz="2400" dirty="0"/>
-              <a:t>a response is generated. </a:t>
-            </a:r>
-          </a:p>
-          <a:p>
-            <a:r>
-              <a:rPr lang="en-US" sz="2400" dirty="0"/>
-              <a:t>Latency: time between request arrival and generation of response</a:t>
+              <a:t>Latency of server: time between request arrival and generation of response</a:t>
             </a:r>
           </a:p>
           <a:p>
@@ -5789,7 +6415,7 @@
           <p:cNvPr id="2" name="Title 1">
             <a:extLst>
               <a:ext uri="{FF2B5EF4-FFF2-40B4-BE49-F238E27FC236}">
-                <a16:creationId xmlns:a16="http://schemas.microsoft.com/office/drawing/2014/main" id="{7B22BA02-84EF-A73B-30E5-90426A09FD81}"/>
+                <a16:creationId xmlns:a16="http://schemas.microsoft.com/office/drawing/2014/main" id="{CEC47006-1FD0-E924-B74C-4CD455829523}"/>
               </a:ext>
             </a:extLst>
           </p:cNvPr>
@@ -5800,19 +6426,14 @@
             <p:ph type="title"/>
           </p:nvPr>
         </p:nvSpPr>
-        <p:spPr>
-          <a:xfrm>
-            <a:off x="685800" y="457200"/>
-            <a:ext cx="7772400" cy="1143000"/>
-          </a:xfrm>
-        </p:spPr>
+        <p:spPr/>
         <p:txBody>
           <a:bodyPr/>
           <a:lstStyle/>
           <a:p>
             <a:r>
               <a:rPr lang="en-US" dirty="0"/>
-              <a:t>Reducing latency for a single server</a:t>
+              <a:t>Important numbers</a:t>
             </a:r>
           </a:p>
         </p:txBody>
@@ -5822,7 +6443,7 @@
           <p:cNvPr id="3" name="Content Placeholder 2">
             <a:extLst>
               <a:ext uri="{FF2B5EF4-FFF2-40B4-BE49-F238E27FC236}">
-                <a16:creationId xmlns:a16="http://schemas.microsoft.com/office/drawing/2014/main" id="{32D1386C-0761-BCA8-24A6-A827D1B76AAB}"/>
+                <a16:creationId xmlns:a16="http://schemas.microsoft.com/office/drawing/2014/main" id="{1D997B0C-B35D-AB9D-84D1-D37EAE660F5C}"/>
               </a:ext>
             </a:extLst>
           </p:cNvPr>
@@ -5840,47 +6461,19 @@
           <a:p>
             <a:r>
               <a:rPr lang="en-US" dirty="0"/>
-              <a:t>With a single server, latency may be reduced by </a:t>
-            </a:r>
-          </a:p>
-          <a:p>
-            <a:pPr lvl="1"/>
+              <a:t>Read 1 MB (1, 000, 000 bytes) sequentially from memory ~250,000 ns </a:t>
+            </a:r>
+          </a:p>
+          <a:p>
             <a:r>
               <a:rPr lang="en-US" dirty="0"/>
-              <a:t>Reducing the time for required computation</a:t>
-            </a:r>
-          </a:p>
-          <a:p>
-            <a:pPr lvl="2"/>
+              <a:t>Send 1K (1, 000) bytes over 1 Gbps network </a:t>
+            </a:r>
+          </a:p>
+          <a:p>
             <a:r>
               <a:rPr lang="en-US" dirty="0"/>
-              <a:t>Use a better algorithm</a:t>
-            </a:r>
-          </a:p>
-          <a:p>
-            <a:pPr lvl="2"/>
-            <a:r>
-              <a:rPr lang="en-US" dirty="0"/>
-              <a:t>Reduce system </a:t>
-            </a:r>
-            <a:r>
-              <a:rPr lang="en-US"/>
-              <a:t>overhead.</a:t>
-            </a:r>
-            <a:endParaRPr lang="en-US" dirty="0"/>
-          </a:p>
-          <a:p>
-            <a:pPr lvl="2"/>
-            <a:r>
-              <a:rPr lang="en-US" dirty="0"/>
-              <a:t>Use a host with more resources  (faster processor, more memory, more disk)</a:t>
-            </a:r>
-          </a:p>
-          <a:p>
-            <a:pPr lvl="1"/>
-            <a:r>
-              <a:rPr lang="en-US" dirty="0"/>
-              <a:t>Changing some database accesses to memory accesses (caching)</a:t>
+              <a:t>~10,000 ns </a:t>
             </a:r>
           </a:p>
         </p:txBody>
@@ -5888,7 +6481,7 @@
     </p:spTree>
     <p:extLst>
       <p:ext uri="{BB962C8B-B14F-4D97-AF65-F5344CB8AC3E}">
-        <p14:creationId xmlns:p14="http://schemas.microsoft.com/office/powerpoint/2010/main" val="422121295"/>
+        <p14:creationId xmlns:p14="http://schemas.microsoft.com/office/powerpoint/2010/main" val="3349749970"/>
       </p:ext>
     </p:extLst>
   </p:cSld>
@@ -5920,7 +6513,7 @@
           <p:cNvPr id="2" name="Title 1">
             <a:extLst>
               <a:ext uri="{FF2B5EF4-FFF2-40B4-BE49-F238E27FC236}">
-                <a16:creationId xmlns:a16="http://schemas.microsoft.com/office/drawing/2014/main" id="{73AFCFD8-4288-7DD2-A8FA-BAF6E8B1A7F5}"/>
+                <a16:creationId xmlns:a16="http://schemas.microsoft.com/office/drawing/2014/main" id="{7B22BA02-84EF-A73B-30E5-90426A09FD81}"/>
               </a:ext>
             </a:extLst>
           </p:cNvPr>
@@ -5931,14 +6524,19 @@
             <p:ph type="title"/>
           </p:nvPr>
         </p:nvSpPr>
-        <p:spPr/>
+        <p:spPr>
+          <a:xfrm>
+            <a:off x="685800" y="457200"/>
+            <a:ext cx="7772400" cy="1143000"/>
+          </a:xfrm>
+        </p:spPr>
         <p:txBody>
           <a:bodyPr/>
           <a:lstStyle/>
           <a:p>
             <a:r>
               <a:rPr lang="en-US" dirty="0"/>
-              <a:t>Concern</a:t>
+              <a:t>Reducing latency for a single server</a:t>
             </a:r>
           </a:p>
         </p:txBody>
@@ -5948,7 +6546,7 @@
           <p:cNvPr id="3" name="Content Placeholder 2">
             <a:extLst>
               <a:ext uri="{FF2B5EF4-FFF2-40B4-BE49-F238E27FC236}">
-                <a16:creationId xmlns:a16="http://schemas.microsoft.com/office/drawing/2014/main" id="{042DC941-D3E3-4F42-C1EA-E183FBC6C725}"/>
+                <a16:creationId xmlns:a16="http://schemas.microsoft.com/office/drawing/2014/main" id="{32D1386C-0761-BCA8-24A6-A827D1B76AAB}"/>
               </a:ext>
             </a:extLst>
           </p:cNvPr>
@@ -5966,18 +6564,47 @@
           <a:p>
             <a:r>
               <a:rPr lang="en-US" dirty="0"/>
-              <a:t>Caching may result in inconsistency between data in cache</a:t>
-            </a:r>
-            <a:r>
-              <a:rPr lang="en-US" baseline="0" dirty="0"/>
-              <a:t> and data in database.</a:t>
+              <a:t>With a single server, latency may be reduced by </a:t>
             </a:r>
           </a:p>
           <a:p>
             <a:pPr lvl="1"/>
             <a:r>
               <a:rPr lang="en-US" dirty="0"/>
-              <a:t>Consistency must be managed</a:t>
+              <a:t>Reducing the time for required computation</a:t>
+            </a:r>
+          </a:p>
+          <a:p>
+            <a:pPr lvl="2"/>
+            <a:r>
+              <a:rPr lang="en-US" dirty="0"/>
+              <a:t>Use a better algorithm</a:t>
+            </a:r>
+          </a:p>
+          <a:p>
+            <a:pPr lvl="2"/>
+            <a:r>
+              <a:rPr lang="en-US" dirty="0"/>
+              <a:t>Reduce system </a:t>
+            </a:r>
+            <a:r>
+              <a:rPr lang="en-US"/>
+              <a:t>overhead.</a:t>
+            </a:r>
+            <a:endParaRPr lang="en-US" dirty="0"/>
+          </a:p>
+          <a:p>
+            <a:pPr lvl="2"/>
+            <a:r>
+              <a:rPr lang="en-US" dirty="0"/>
+              <a:t>Use a host with more resources  (faster processor, more memory, more disk)</a:t>
+            </a:r>
+          </a:p>
+          <a:p>
+            <a:pPr lvl="1"/>
+            <a:r>
+              <a:rPr lang="en-US" dirty="0"/>
+              <a:t>Changing some database accesses to memory accesses (caching)</a:t>
             </a:r>
           </a:p>
         </p:txBody>
@@ -5985,7 +6612,7 @@
     </p:spTree>
     <p:extLst>
       <p:ext uri="{BB962C8B-B14F-4D97-AF65-F5344CB8AC3E}">
-        <p14:creationId xmlns:p14="http://schemas.microsoft.com/office/powerpoint/2010/main" val="1450653155"/>
+        <p14:creationId xmlns:p14="http://schemas.microsoft.com/office/powerpoint/2010/main" val="422121295"/>
       </p:ext>
     </p:extLst>
   </p:cSld>
@@ -6186,6 +6813,15 @@
               <a:rPr lang="en-US" baseline="0" dirty="0"/>
               <a:t>Scaling</a:t>
             </a:r>
+          </a:p>
+          <a:p>
+            <a:r>
+              <a:rPr lang="en-US" dirty="0"/>
+              <a:t>Designing for Performance</a:t>
+            </a:r>
+          </a:p>
+          <a:p>
+            <a:endParaRPr lang="en-US" baseline="0" dirty="0"/>
           </a:p>
           <a:p>
             <a:endParaRPr lang="en-US" dirty="0"/>

--- a/performane.pptx
+++ b/performane.pptx
@@ -5,10 +5,10 @@
     <p:sldMasterId id="2147483680" r:id="rId1"/>
   </p:sldMasterIdLst>
   <p:notesMasterIdLst>
-    <p:notesMasterId r:id="rId25"/>
+    <p:notesMasterId r:id="rId27"/>
   </p:notesMasterIdLst>
   <p:handoutMasterIdLst>
-    <p:handoutMasterId r:id="rId26"/>
+    <p:handoutMasterId r:id="rId28"/>
   </p:handoutMasterIdLst>
   <p:sldIdLst>
     <p:sldId id="256" r:id="rId2"/>
@@ -32,8 +32,10 @@
     <p:sldId id="279" r:id="rId20"/>
     <p:sldId id="280" r:id="rId21"/>
     <p:sldId id="281" r:id="rId22"/>
-    <p:sldId id="275" r:id="rId23"/>
-    <p:sldId id="282" r:id="rId24"/>
+    <p:sldId id="284" r:id="rId23"/>
+    <p:sldId id="285" r:id="rId24"/>
+    <p:sldId id="275" r:id="rId25"/>
+    <p:sldId id="282" r:id="rId26"/>
   </p:sldIdLst>
   <p:sldSz cx="9144000" cy="6858000" type="screen4x3"/>
   <p:notesSz cx="7315200" cy="9601200"/>
@@ -1320,7 +1322,7 @@
           <a:effectLst/>
           <a:extLst>
             <a:ext uri="{AF507438-7753-43e0-B8FC-AC1667EBCBE1}">
-              <a14:hiddenEffects xmlns:a14="http://schemas.microsoft.com/office/drawing/2010/main" xmlns="">
+              <a14:hiddenEffects xmlns="" xmlns:a14="http://schemas.microsoft.com/office/drawing/2010/main">
                 <a:effectLst>
                   <a:outerShdw blurRad="63500" dist="38099" dir="2700000" algn="ctr" rotWithShape="0">
                     <a:schemeClr val="bg2">
@@ -2576,14 +2578,14 @@
           <a:effectLst/>
           <a:extLst>
             <a:ext uri="{909E8E84-426E-40dd-AFC4-6F175D3DCCD1}">
-              <a14:hiddenFill xmlns:a14="http://schemas.microsoft.com/office/drawing/2010/main" xmlns="">
+              <a14:hiddenFill xmlns="" xmlns:a14="http://schemas.microsoft.com/office/drawing/2010/main">
                 <a:solidFill>
                   <a:schemeClr val="accent1"/>
                 </a:solidFill>
               </a14:hiddenFill>
             </a:ext>
             <a:ext uri="{91240B29-F687-4f45-9708-019B960494DF}">
-              <a14:hiddenLine xmlns:a14="http://schemas.microsoft.com/office/drawing/2010/main" xmlns="" w="9525">
+              <a14:hiddenLine xmlns="" xmlns:a14="http://schemas.microsoft.com/office/drawing/2010/main" w="9525">
                 <a:solidFill>
                   <a:schemeClr val="tx1"/>
                 </a:solidFill>
@@ -2593,7 +2595,7 @@
               </a14:hiddenLine>
             </a:ext>
             <a:ext uri="{AF507438-7753-43e0-B8FC-AC1667EBCBE1}">
-              <a14:hiddenEffects xmlns:a14="http://schemas.microsoft.com/office/drawing/2010/main" xmlns="">
+              <a14:hiddenEffects xmlns="" xmlns:a14="http://schemas.microsoft.com/office/drawing/2010/main">
                 <a:effectLst>
                   <a:outerShdw blurRad="63500" dist="38099" dir="2700000" algn="ctr" rotWithShape="0">
                     <a:schemeClr val="bg2">
@@ -2604,7 +2606,7 @@
               </a14:hiddenEffects>
             </a:ext>
             <a:ext uri="{FAA26D3D-D897-4be2-8F04-BA451C77F1D7}">
-              <ma14:placeholderFlag xmlns:ma14="http://schemas.microsoft.com/office/mac/drawingml/2011/main" xmlns="" val="1"/>
+              <ma14:placeholderFlag xmlns="" xmlns:ma14="http://schemas.microsoft.com/office/mac/drawingml/2011/main" val="1"/>
             </a:ext>
           </a:extLst>
         </p:spPr>
@@ -2649,14 +2651,14 @@
           <a:effectLst/>
           <a:extLst>
             <a:ext uri="{909E8E84-426E-40dd-AFC4-6F175D3DCCD1}">
-              <a14:hiddenFill xmlns:a14="http://schemas.microsoft.com/office/drawing/2010/main" xmlns="">
+              <a14:hiddenFill xmlns="" xmlns:a14="http://schemas.microsoft.com/office/drawing/2010/main">
                 <a:solidFill>
                   <a:schemeClr val="accent1"/>
                 </a:solidFill>
               </a14:hiddenFill>
             </a:ext>
             <a:ext uri="{91240B29-F687-4f45-9708-019B960494DF}">
-              <a14:hiddenLine xmlns:a14="http://schemas.microsoft.com/office/drawing/2010/main" xmlns="" w="9525">
+              <a14:hiddenLine xmlns="" xmlns:a14="http://schemas.microsoft.com/office/drawing/2010/main" w="9525">
                 <a:solidFill>
                   <a:schemeClr val="tx1"/>
                 </a:solidFill>
@@ -2666,7 +2668,7 @@
               </a14:hiddenLine>
             </a:ext>
             <a:ext uri="{AF507438-7753-43e0-B8FC-AC1667EBCBE1}">
-              <a14:hiddenEffects xmlns:a14="http://schemas.microsoft.com/office/drawing/2010/main" xmlns="">
+              <a14:hiddenEffects xmlns="" xmlns:a14="http://schemas.microsoft.com/office/drawing/2010/main">
                 <a:effectLst>
                   <a:outerShdw blurRad="63500" dist="38099" dir="2700000" algn="ctr" rotWithShape="0">
                     <a:schemeClr val="bg2">
@@ -2677,7 +2679,7 @@
               </a14:hiddenEffects>
             </a:ext>
             <a:ext uri="{FAA26D3D-D897-4be2-8F04-BA451C77F1D7}">
-              <ma14:placeholderFlag xmlns:ma14="http://schemas.microsoft.com/office/mac/drawingml/2011/main" xmlns="" val="1"/>
+              <ma14:placeholderFlag xmlns="" xmlns:ma14="http://schemas.microsoft.com/office/mac/drawingml/2011/main" val="1"/>
             </a:ext>
           </a:extLst>
         </p:spPr>
@@ -2755,36 +2757,6 @@
             <a:headEnd/>
             <a:tailEnd/>
           </a:ln>
-        </p:spPr>
-      </p:pic>
-      <p:pic>
-        <p:nvPicPr>
-          <p:cNvPr id="3" name="Picture 2">
-            <a:extLst>
-              <a:ext uri="{FF2B5EF4-FFF2-40B4-BE49-F238E27FC236}">
-                <a16:creationId xmlns:a16="http://schemas.microsoft.com/office/drawing/2014/main" id="{D516B1DB-5E49-1EA2-8C18-34B3643D7DAB}"/>
-              </a:ext>
-            </a:extLst>
-          </p:cNvPr>
-          <p:cNvPicPr>
-            <a:picLocks noChangeAspect="1"/>
-          </p:cNvPicPr>
-          <p:nvPr userDrawn="1"/>
-        </p:nvPicPr>
-        <p:blipFill>
-          <a:blip r:embed="rId14"/>
-          <a:stretch>
-            <a:fillRect/>
-          </a:stretch>
-        </p:blipFill>
-        <p:spPr>
-          <a:xfrm>
-            <a:off x="7391400" y="6096000"/>
-            <a:ext cx="1388962" cy="563592"/>
-          </a:xfrm>
-          <a:prstGeom prst="rect">
-            <a:avLst/>
-          </a:prstGeom>
         </p:spPr>
       </p:pic>
     </p:spTree>
@@ -3780,6 +3752,45 @@
             </a:r>
           </a:p>
           <a:p>
+            <a:pPr marL="342900" marR="0" lvl="0" indent="-342900" algn="l" defTabSz="914400" rtl="0" eaLnBrk="1" fontAlgn="base" latinLnBrk="0" hangingPunct="1">
+              <a:lnSpc>
+                <a:spcPct val="100000"/>
+              </a:lnSpc>
+              <a:spcBef>
+                <a:spcPct val="20000"/>
+              </a:spcBef>
+              <a:spcAft>
+                <a:spcPct val="0"/>
+              </a:spcAft>
+              <a:buClr>
+                <a:srgbClr val="005481"/>
+              </a:buClr>
+              <a:buSzTx/>
+              <a:buFont typeface="Times" charset="0"/>
+              <a:buChar char="•"/>
+              <a:tabLst/>
+              <a:defRPr/>
+            </a:pPr>
+            <a:r>
+              <a:rPr lang="en-US" sz="2800" baseline="0" dirty="0">
+                <a:solidFill>
+                  <a:schemeClr val="tx1"/>
+                </a:solidFill>
+                <a:effectLst/>
+                <a:latin typeface="+mn-lt"/>
+                <a:ea typeface="+mn-ea"/>
+                <a:cs typeface="+mn-cs"/>
+              </a:rPr>
+              <a:t>Key questions</a:t>
+            </a:r>
+            <a:endParaRPr lang="en-US" sz="2800" dirty="0">
+              <a:effectLst/>
+            </a:endParaRPr>
+          </a:p>
+          <a:p>
+            <a:endParaRPr lang="en-US" dirty="0"/>
+          </a:p>
+          <a:p>
             <a:endParaRPr lang="en-US" b="1" baseline="0" dirty="0"/>
           </a:p>
           <a:p>
@@ -3932,7 +3943,7 @@
             <a:effectLst/>
             <a:extLst>
               <a:ext uri="{AF507438-7753-43e0-B8FC-AC1667EBCBE1}">
-                <a14:hiddenEffects xmlns:a14="http://schemas.microsoft.com/office/drawing/2010/main" xmlns="">
+                <a14:hiddenEffects xmlns="" xmlns:a14="http://schemas.microsoft.com/office/drawing/2010/main">
                   <a:effectLst>
                     <a:outerShdw blurRad="63500" dist="38099" dir="2700000" algn="ctr" rotWithShape="0">
                       <a:schemeClr val="bg2">
@@ -3980,7 +3991,7 @@
             <a:effectLst/>
             <a:extLst>
               <a:ext uri="{AF507438-7753-43e0-B8FC-AC1667EBCBE1}">
-                <a14:hiddenEffects xmlns:a14="http://schemas.microsoft.com/office/drawing/2010/main" xmlns="">
+                <a14:hiddenEffects xmlns="" xmlns:a14="http://schemas.microsoft.com/office/drawing/2010/main">
                   <a:effectLst>
                     <a:outerShdw blurRad="63500" dist="38099" dir="2700000" algn="ctr" rotWithShape="0">
                       <a:schemeClr val="bg2">
@@ -4169,7 +4180,7 @@
             <a:effectLst/>
             <a:extLst>
               <a:ext uri="{AF507438-7753-43e0-B8FC-AC1667EBCBE1}">
-                <a14:hiddenEffects xmlns:a14="http://schemas.microsoft.com/office/drawing/2010/main" xmlns="">
+                <a14:hiddenEffects xmlns="" xmlns:a14="http://schemas.microsoft.com/office/drawing/2010/main">
                   <a:effectLst>
                     <a:outerShdw blurRad="63500" dist="38099" dir="2700000" algn="ctr" rotWithShape="0">
                       <a:schemeClr val="bg2">
@@ -4217,7 +4228,7 @@
             <a:effectLst/>
             <a:extLst>
               <a:ext uri="{AF507438-7753-43e0-B8FC-AC1667EBCBE1}">
-                <a14:hiddenEffects xmlns:a14="http://schemas.microsoft.com/office/drawing/2010/main" xmlns="">
+                <a14:hiddenEffects xmlns="" xmlns:a14="http://schemas.microsoft.com/office/drawing/2010/main">
                   <a:effectLst>
                     <a:outerShdw blurRad="63500" dist="38099" dir="2700000" algn="ctr" rotWithShape="0">
                       <a:schemeClr val="bg2">
@@ -4502,7 +4513,7 @@
           <a:effectLst/>
           <a:extLst>
             <a:ext uri="{AF507438-7753-43e0-B8FC-AC1667EBCBE1}">
-              <a14:hiddenEffects xmlns:a14="http://schemas.microsoft.com/office/drawing/2010/main" xmlns="">
+              <a14:hiddenEffects xmlns="" xmlns:a14="http://schemas.microsoft.com/office/drawing/2010/main">
                 <a:effectLst>
                   <a:outerShdw blurRad="63500" dist="38099" dir="2700000" algn="ctr" rotWithShape="0">
                     <a:schemeClr val="bg2">
@@ -4550,7 +4561,7 @@
           <a:effectLst/>
           <a:extLst>
             <a:ext uri="{AF507438-7753-43e0-B8FC-AC1667EBCBE1}">
-              <a14:hiddenEffects xmlns:a14="http://schemas.microsoft.com/office/drawing/2010/main" xmlns="">
+              <a14:hiddenEffects xmlns="" xmlns:a14="http://schemas.microsoft.com/office/drawing/2010/main">
                 <a:effectLst>
                   <a:outerShdw blurRad="63500" dist="38099" dir="2700000" algn="ctr" rotWithShape="0">
                     <a:schemeClr val="bg2">
@@ -4658,7 +4669,7 @@
           <a:effectLst/>
           <a:extLst>
             <a:ext uri="{AF507438-7753-43e0-B8FC-AC1667EBCBE1}">
-              <a14:hiddenEffects xmlns:a14="http://schemas.microsoft.com/office/drawing/2010/main" xmlns="">
+              <a14:hiddenEffects xmlns="" xmlns:a14="http://schemas.microsoft.com/office/drawing/2010/main">
                 <a:effectLst>
                   <a:outerShdw blurRad="63500" dist="38099" dir="2700000" algn="ctr" rotWithShape="0">
                     <a:schemeClr val="bg2">
@@ -5102,6 +5113,45 @@
             </a:r>
           </a:p>
           <a:p>
+            <a:pPr marL="342900" marR="0" lvl="0" indent="-342900" algn="l" defTabSz="914400" rtl="0" eaLnBrk="1" fontAlgn="base" latinLnBrk="0" hangingPunct="1">
+              <a:lnSpc>
+                <a:spcPct val="100000"/>
+              </a:lnSpc>
+              <a:spcBef>
+                <a:spcPct val="20000"/>
+              </a:spcBef>
+              <a:spcAft>
+                <a:spcPct val="0"/>
+              </a:spcAft>
+              <a:buClr>
+                <a:srgbClr val="005481"/>
+              </a:buClr>
+              <a:buSzTx/>
+              <a:buFont typeface="Times" charset="0"/>
+              <a:buChar char="•"/>
+              <a:tabLst/>
+              <a:defRPr/>
+            </a:pPr>
+            <a:r>
+              <a:rPr lang="en-US" sz="2800" baseline="0" dirty="0">
+                <a:solidFill>
+                  <a:schemeClr val="tx1"/>
+                </a:solidFill>
+                <a:effectLst/>
+                <a:latin typeface="+mn-lt"/>
+                <a:ea typeface="+mn-ea"/>
+                <a:cs typeface="+mn-cs"/>
+              </a:rPr>
+              <a:t>Key questions</a:t>
+            </a:r>
+            <a:endParaRPr lang="en-US" sz="2800" dirty="0">
+              <a:effectLst/>
+            </a:endParaRPr>
+          </a:p>
+          <a:p>
+            <a:endParaRPr lang="en-US" b="1" dirty="0"/>
+          </a:p>
+          <a:p>
             <a:endParaRPr lang="en-US" b="1" baseline="0" dirty="0"/>
           </a:p>
         </p:txBody>
@@ -5309,7 +5359,12 @@
               <a:rPr lang="en-US" dirty="0"/>
               <a:t>Designing for Performance</a:t>
             </a:r>
-            <a:endParaRPr lang="en-US" baseline="0" dirty="0"/>
+          </a:p>
+          <a:p>
+            <a:r>
+              <a:rPr lang="en-US" baseline="0" dirty="0"/>
+              <a:t>Key questions</a:t>
+            </a:r>
           </a:p>
           <a:p>
             <a:endParaRPr lang="en-US" dirty="0"/>
@@ -5520,6 +5575,10 @@
               <a:t>Consistency must be managed</a:t>
             </a:r>
           </a:p>
+          <a:p>
+            <a:pPr lvl="1"/>
+            <a:endParaRPr lang="en-US" dirty="0"/>
+          </a:p>
         </p:txBody>
       </p:sp>
     </p:spTree>
@@ -5557,6 +5616,229 @@
           <p:cNvPr id="2" name="Title 1">
             <a:extLst>
               <a:ext uri="{FF2B5EF4-FFF2-40B4-BE49-F238E27FC236}">
+                <a16:creationId xmlns:a16="http://schemas.microsoft.com/office/drawing/2014/main" id="{5F764992-CF95-BFCE-A4F4-53B7191CA5C0}"/>
+              </a:ext>
+            </a:extLst>
+          </p:cNvPr>
+          <p:cNvSpPr>
+            <a:spLocks noGrp="1"/>
+          </p:cNvSpPr>
+          <p:nvPr>
+            <p:ph type="title"/>
+          </p:nvPr>
+        </p:nvSpPr>
+        <p:spPr/>
+        <p:txBody>
+          <a:bodyPr/>
+          <a:lstStyle/>
+          <a:p>
+            <a:r>
+              <a:rPr lang="en-US" dirty="0"/>
+              <a:t>Outline</a:t>
+            </a:r>
+          </a:p>
+        </p:txBody>
+      </p:sp>
+      <p:sp>
+        <p:nvSpPr>
+          <p:cNvPr id="3" name="Content Placeholder 2">
+            <a:extLst>
+              <a:ext uri="{FF2B5EF4-FFF2-40B4-BE49-F238E27FC236}">
+                <a16:creationId xmlns:a16="http://schemas.microsoft.com/office/drawing/2014/main" id="{9DA7BADF-3771-9D7F-C301-2F66F05AB568}"/>
+              </a:ext>
+            </a:extLst>
+          </p:cNvPr>
+          <p:cNvSpPr>
+            <a:spLocks noGrp="1"/>
+          </p:cNvSpPr>
+          <p:nvPr>
+            <p:ph idx="1"/>
+          </p:nvPr>
+        </p:nvSpPr>
+        <p:spPr/>
+        <p:txBody>
+          <a:bodyPr/>
+          <a:lstStyle/>
+          <a:p>
+            <a:r>
+              <a:rPr lang="en-US" dirty="0"/>
+              <a:t>Introduction</a:t>
+            </a:r>
+          </a:p>
+          <a:p>
+            <a:r>
+              <a:rPr lang="en-US" baseline="0" dirty="0"/>
+              <a:t>Pipeline of servers</a:t>
+            </a:r>
+          </a:p>
+          <a:p>
+            <a:r>
+              <a:rPr lang="en-US" baseline="0" dirty="0"/>
+              <a:t>Scaling</a:t>
+            </a:r>
+          </a:p>
+          <a:p>
+            <a:r>
+              <a:rPr lang="en-US" dirty="0"/>
+              <a:t>Designing for Performance</a:t>
+            </a:r>
+          </a:p>
+          <a:p>
+            <a:r>
+              <a:rPr lang="en-US" b="1" baseline="0" dirty="0"/>
+              <a:t>Key questions</a:t>
+            </a:r>
+          </a:p>
+        </p:txBody>
+      </p:sp>
+    </p:spTree>
+    <p:extLst>
+      <p:ext uri="{BB962C8B-B14F-4D97-AF65-F5344CB8AC3E}">
+        <p14:creationId xmlns:p14="http://schemas.microsoft.com/office/powerpoint/2010/main" val="2401104045"/>
+      </p:ext>
+    </p:extLst>
+  </p:cSld>
+  <p:clrMapOvr>
+    <a:masterClrMapping/>
+  </p:clrMapOvr>
+</p:sld>
+</file>
+
+<file path=ppt/slides/slide23.xml><?xml version="1.0" encoding="utf-8"?>
+<p:sld xmlns:a="http://schemas.openxmlformats.org/drawingml/2006/main" xmlns:r="http://schemas.openxmlformats.org/officeDocument/2006/relationships" xmlns:p="http://schemas.openxmlformats.org/presentationml/2006/main">
+  <p:cSld>
+    <p:spTree>
+      <p:nvGrpSpPr>
+        <p:cNvPr id="1" name=""/>
+        <p:cNvGrpSpPr/>
+        <p:nvPr/>
+      </p:nvGrpSpPr>
+      <p:grpSpPr>
+        <a:xfrm>
+          <a:off x="0" y="0"/>
+          <a:ext cx="0" cy="0"/>
+          <a:chOff x="0" y="0"/>
+          <a:chExt cx="0" cy="0"/>
+        </a:xfrm>
+      </p:grpSpPr>
+      <p:sp>
+        <p:nvSpPr>
+          <p:cNvPr id="2" name="Title 1">
+            <a:extLst>
+              <a:ext uri="{FF2B5EF4-FFF2-40B4-BE49-F238E27FC236}">
+                <a16:creationId xmlns:a16="http://schemas.microsoft.com/office/drawing/2014/main" id="{3624A5FD-0D5F-3C1A-7FE3-E7D54E8EEC08}"/>
+              </a:ext>
+            </a:extLst>
+          </p:cNvPr>
+          <p:cNvSpPr>
+            <a:spLocks noGrp="1"/>
+          </p:cNvSpPr>
+          <p:nvPr>
+            <p:ph type="title"/>
+          </p:nvPr>
+        </p:nvSpPr>
+        <p:spPr/>
+        <p:txBody>
+          <a:bodyPr/>
+          <a:lstStyle/>
+          <a:p>
+            <a:r>
+              <a:rPr lang="en-US" dirty="0"/>
+              <a:t>Key questions</a:t>
+            </a:r>
+          </a:p>
+        </p:txBody>
+      </p:sp>
+      <p:sp>
+        <p:nvSpPr>
+          <p:cNvPr id="3" name="Content Placeholder 2">
+            <a:extLst>
+              <a:ext uri="{FF2B5EF4-FFF2-40B4-BE49-F238E27FC236}">
+                <a16:creationId xmlns:a16="http://schemas.microsoft.com/office/drawing/2014/main" id="{B08464E2-D94E-3134-4555-29257232BF5A}"/>
+              </a:ext>
+            </a:extLst>
+          </p:cNvPr>
+          <p:cNvSpPr>
+            <a:spLocks noGrp="1"/>
+          </p:cNvSpPr>
+          <p:nvPr>
+            <p:ph idx="1"/>
+          </p:nvPr>
+        </p:nvSpPr>
+        <p:spPr/>
+        <p:txBody>
+          <a:bodyPr/>
+          <a:lstStyle/>
+          <a:p>
+            <a:pPr lvl="0"/>
+            <a:r>
+              <a:rPr lang="en-US" sz="2800" dirty="0">
+                <a:solidFill>
+                  <a:schemeClr val="tx1"/>
+                </a:solidFill>
+                <a:effectLst/>
+                <a:latin typeface="+mn-lt"/>
+                <a:ea typeface="+mn-ea"/>
+                <a:cs typeface="+mn-cs"/>
+              </a:rPr>
+              <a:t>Is there sufficient computational capacity?</a:t>
+            </a:r>
+          </a:p>
+          <a:p>
+            <a:pPr lvl="0"/>
+            <a:r>
+              <a:rPr lang="en-US" sz="2800" dirty="0">
+                <a:solidFill>
+                  <a:schemeClr val="tx1"/>
+                </a:solidFill>
+                <a:effectLst/>
+                <a:latin typeface="+mn-lt"/>
+                <a:ea typeface="+mn-ea"/>
+                <a:cs typeface="+mn-cs"/>
+              </a:rPr>
+              <a:t>Is there sufficient network capacity?</a:t>
+            </a:r>
+          </a:p>
+          <a:p>
+            <a:endParaRPr lang="en-US" dirty="0"/>
+          </a:p>
+        </p:txBody>
+      </p:sp>
+    </p:spTree>
+    <p:extLst>
+      <p:ext uri="{BB962C8B-B14F-4D97-AF65-F5344CB8AC3E}">
+        <p14:creationId xmlns:p14="http://schemas.microsoft.com/office/powerpoint/2010/main" val="3024879495"/>
+      </p:ext>
+    </p:extLst>
+  </p:cSld>
+  <p:clrMapOvr>
+    <a:masterClrMapping/>
+  </p:clrMapOvr>
+</p:sld>
+</file>
+
+<file path=ppt/slides/slide24.xml><?xml version="1.0" encoding="utf-8"?>
+<p:sld xmlns:a="http://schemas.openxmlformats.org/drawingml/2006/main" xmlns:r="http://schemas.openxmlformats.org/officeDocument/2006/relationships" xmlns:p="http://schemas.openxmlformats.org/presentationml/2006/main">
+  <p:cSld>
+    <p:spTree>
+      <p:nvGrpSpPr>
+        <p:cNvPr id="1" name=""/>
+        <p:cNvGrpSpPr/>
+        <p:nvPr/>
+      </p:nvGrpSpPr>
+      <p:grpSpPr>
+        <a:xfrm>
+          <a:off x="0" y="0"/>
+          <a:ext cx="0" cy="0"/>
+          <a:chOff x="0" y="0"/>
+          <a:chExt cx="0" cy="0"/>
+        </a:xfrm>
+      </p:grpSpPr>
+      <p:sp>
+        <p:nvSpPr>
+          <p:cNvPr id="2" name="Title 1">
+            <a:extLst>
+              <a:ext uri="{FF2B5EF4-FFF2-40B4-BE49-F238E27FC236}">
                 <a16:creationId xmlns:a16="http://schemas.microsoft.com/office/drawing/2014/main" id="{7681A7E7-8365-EC95-020F-7DFD40EF506B}"/>
               </a:ext>
             </a:extLst>
@@ -5636,7 +5918,7 @@
 </p:sld>
 </file>
 
-<file path=ppt/slides/slide23.xml><?xml version="1.0" encoding="utf-8"?>
+<file path=ppt/slides/slide25.xml><?xml version="1.0" encoding="utf-8"?>
 <p:sld xmlns:a="http://schemas.openxmlformats.org/drawingml/2006/main" xmlns:r="http://schemas.openxmlformats.org/officeDocument/2006/relationships" xmlns:p="http://schemas.openxmlformats.org/presentationml/2006/main">
   <p:cSld>
     <p:spTree>
@@ -5898,7 +6180,7 @@
             <a:effectLst/>
             <a:extLst>
               <a:ext uri="{AF507438-7753-43e0-B8FC-AC1667EBCBE1}">
-                <a14:hiddenEffects xmlns:a14="http://schemas.microsoft.com/office/drawing/2010/main" xmlns="">
+                <a14:hiddenEffects xmlns="" xmlns:a14="http://schemas.microsoft.com/office/drawing/2010/main">
                   <a:effectLst>
                     <a:outerShdw blurRad="63500" dist="38099" dir="2700000" algn="ctr" rotWithShape="0">
                       <a:schemeClr val="bg2">
@@ -5946,7 +6228,7 @@
             <a:effectLst/>
             <a:extLst>
               <a:ext uri="{AF507438-7753-43e0-B8FC-AC1667EBCBE1}">
-                <a14:hiddenEffects xmlns:a14="http://schemas.microsoft.com/office/drawing/2010/main" xmlns="">
+                <a14:hiddenEffects xmlns="" xmlns:a14="http://schemas.microsoft.com/office/drawing/2010/main">
                   <a:effectLst>
                     <a:outerShdw blurRad="63500" dist="38099" dir="2700000" algn="ctr" rotWithShape="0">
                       <a:schemeClr val="bg2">
@@ -6821,6 +7103,45 @@
             </a:r>
           </a:p>
           <a:p>
+            <a:pPr marL="342900" marR="0" lvl="0" indent="-342900" algn="l" defTabSz="914400" rtl="0" eaLnBrk="1" fontAlgn="base" latinLnBrk="0" hangingPunct="1">
+              <a:lnSpc>
+                <a:spcPct val="100000"/>
+              </a:lnSpc>
+              <a:spcBef>
+                <a:spcPct val="20000"/>
+              </a:spcBef>
+              <a:spcAft>
+                <a:spcPct val="0"/>
+              </a:spcAft>
+              <a:buClr>
+                <a:srgbClr val="005481"/>
+              </a:buClr>
+              <a:buSzTx/>
+              <a:buFont typeface="Times" charset="0"/>
+              <a:buChar char="•"/>
+              <a:tabLst/>
+              <a:defRPr/>
+            </a:pPr>
+            <a:r>
+              <a:rPr lang="en-US" sz="2800" baseline="0" dirty="0">
+                <a:solidFill>
+                  <a:schemeClr val="tx1"/>
+                </a:solidFill>
+                <a:effectLst/>
+                <a:latin typeface="+mn-lt"/>
+                <a:ea typeface="+mn-ea"/>
+                <a:cs typeface="+mn-cs"/>
+              </a:rPr>
+              <a:t>Key questions</a:t>
+            </a:r>
+            <a:endParaRPr lang="en-US" sz="2800" dirty="0">
+              <a:effectLst/>
+            </a:endParaRPr>
+          </a:p>
+          <a:p>
+            <a:endParaRPr lang="en-US" dirty="0"/>
+          </a:p>
+          <a:p>
             <a:endParaRPr lang="en-US" baseline="0" dirty="0"/>
           </a:p>
           <a:p>
@@ -6913,7 +7234,7 @@
             <a:effectLst/>
             <a:extLst>
               <a:ext uri="{AF507438-7753-43e0-B8FC-AC1667EBCBE1}">
-                <a14:hiddenEffects xmlns:a14="http://schemas.microsoft.com/office/drawing/2010/main" xmlns="">
+                <a14:hiddenEffects xmlns="" xmlns:a14="http://schemas.microsoft.com/office/drawing/2010/main">
                   <a:effectLst>
                     <a:outerShdw blurRad="63500" dist="38099" dir="2700000" algn="ctr" rotWithShape="0">
                       <a:schemeClr val="bg2">
@@ -6961,7 +7282,7 @@
             <a:effectLst/>
             <a:extLst>
               <a:ext uri="{AF507438-7753-43e0-B8FC-AC1667EBCBE1}">
-                <a14:hiddenEffects xmlns:a14="http://schemas.microsoft.com/office/drawing/2010/main" xmlns="">
+                <a14:hiddenEffects xmlns="" xmlns:a14="http://schemas.microsoft.com/office/drawing/2010/main">
                   <a:effectLst>
                     <a:outerShdw blurRad="63500" dist="38099" dir="2700000" algn="ctr" rotWithShape="0">
                       <a:schemeClr val="bg2">
@@ -7223,7 +7544,7 @@
             <a:effectLst/>
             <a:extLst>
               <a:ext uri="{AF507438-7753-43e0-B8FC-AC1667EBCBE1}">
-                <a14:hiddenEffects xmlns:a14="http://schemas.microsoft.com/office/drawing/2010/main" xmlns="">
+                <a14:hiddenEffects xmlns="" xmlns:a14="http://schemas.microsoft.com/office/drawing/2010/main">
                   <a:effectLst>
                     <a:outerShdw blurRad="63500" dist="38099" dir="2700000" algn="ctr" rotWithShape="0">
                       <a:schemeClr val="bg2">
@@ -7271,7 +7592,7 @@
             <a:effectLst/>
             <a:extLst>
               <a:ext uri="{AF507438-7753-43e0-B8FC-AC1667EBCBE1}">
-                <a14:hiddenEffects xmlns:a14="http://schemas.microsoft.com/office/drawing/2010/main" xmlns="">
+                <a14:hiddenEffects xmlns="" xmlns:a14="http://schemas.microsoft.com/office/drawing/2010/main">
                   <a:effectLst>
                     <a:outerShdw blurRad="63500" dist="38099" dir="2700000" algn="ctr" rotWithShape="0">
                       <a:schemeClr val="bg2">
@@ -7780,7 +8101,7 @@
         <a:effectLst/>
         <a:extLst>
           <a:ext uri="{AF507438-7753-43e0-B8FC-AC1667EBCBE1}">
-            <a14:hiddenEffects xmlns:a14="http://schemas.microsoft.com/office/drawing/2010/main" xmlns="">
+            <a14:hiddenEffects xmlns="" xmlns:a14="http://schemas.microsoft.com/office/drawing/2010/main">
               <a:effectLst>
                 <a:outerShdw blurRad="63500" dist="38099" dir="2700000" algn="ctr" rotWithShape="0">
                   <a:schemeClr val="bg2">
@@ -7857,7 +8178,7 @@
         <a:effectLst/>
         <a:extLst>
           <a:ext uri="{AF507438-7753-43e0-B8FC-AC1667EBCBE1}">
-            <a14:hiddenEffects xmlns:a14="http://schemas.microsoft.com/office/drawing/2010/main" xmlns="">
+            <a14:hiddenEffects xmlns="" xmlns:a14="http://schemas.microsoft.com/office/drawing/2010/main">
               <a:effectLst>
                 <a:outerShdw blurRad="63500" dist="38099" dir="2700000" algn="ctr" rotWithShape="0">
                   <a:schemeClr val="bg2">
